--- a/Smart Share.pptx
+++ b/Smart Share.pptx
@@ -215,7 +215,7 @@
           <a:effectLst/>
           <a:extLst>
             <a:ext uri="{91240B29-F687-4f45-9708-019B960494DF}">
-              <a14:hiddenLine xmlns:a14="http://schemas.microsoft.com/office/drawing/2010/main" xmlns="" w="9525">
+              <a14:hiddenLine xmlns="" xmlns:a14="http://schemas.microsoft.com/office/drawing/2010/main" w="9525">
                 <a:solidFill>
                   <a:srgbClr val="000000"/>
                 </a:solidFill>
@@ -408,7 +408,7 @@
             <a:fld id="{9334D819-9F07-4261-B09B-9E467E5D9002}" type="datetimeFigureOut">
               <a:rPr lang="en-US" smtClean="0"/>
               <a:pPr/>
-              <a:t>3/6/2019</a:t>
+              <a:t>3/7/2019</a:t>
             </a:fld>
             <a:endParaRPr lang="en-US" dirty="0"/>
           </a:p>
@@ -728,7 +728,7 @@
             <a:fld id="{9334D819-9F07-4261-B09B-9E467E5D9002}" type="datetimeFigureOut">
               <a:rPr lang="en-US" smtClean="0"/>
               <a:pPr/>
-              <a:t>3/6/2019</a:t>
+              <a:t>3/7/2019</a:t>
             </a:fld>
             <a:endParaRPr lang="en-US" dirty="0"/>
           </a:p>
@@ -1218,7 +1218,7 @@
             <a:fld id="{9334D819-9F07-4261-B09B-9E467E5D9002}" type="datetimeFigureOut">
               <a:rPr lang="en-US" smtClean="0"/>
               <a:pPr/>
-              <a:t>3/6/2019</a:t>
+              <a:t>3/7/2019</a:t>
             </a:fld>
             <a:endParaRPr lang="en-US" dirty="0"/>
           </a:p>
@@ -1589,7 +1589,7 @@
             <a:fld id="{9334D819-9F07-4261-B09B-9E467E5D9002}" type="datetimeFigureOut">
               <a:rPr lang="en-US" smtClean="0"/>
               <a:pPr/>
-              <a:t>3/6/2019</a:t>
+              <a:t>3/7/2019</a:t>
             </a:fld>
             <a:endParaRPr lang="en-US" dirty="0"/>
           </a:p>
@@ -1745,7 +1745,7 @@
           <a:ln/>
           <a:extLst>
             <a:ext uri="{91240B29-F687-4f45-9708-019B960494DF}">
-              <a14:hiddenLine xmlns:a14="http://schemas.microsoft.com/office/drawing/2010/main" xmlns="" w="9525">
+              <a14:hiddenLine xmlns="" xmlns:a14="http://schemas.microsoft.com/office/drawing/2010/main" w="9525">
                 <a:solidFill>
                   <a:srgbClr val="000000"/>
                 </a:solidFill>
@@ -1863,7 +1863,7 @@
           <a:p>
             <a:fld id="{9334D819-9F07-4261-B09B-9E467E5D9002}" type="datetimeFigureOut">
               <a:rPr lang="en-US" smtClean="0"/>
-              <a:t>3/6/2019</a:t>
+              <a:t>3/7/2019</a:t>
             </a:fld>
             <a:endParaRPr lang="en-US" dirty="0"/>
           </a:p>
@@ -2020,7 +2020,7 @@
           <a:ln/>
           <a:extLst>
             <a:ext uri="{91240B29-F687-4f45-9708-019B960494DF}">
-              <a14:hiddenLine xmlns:a14="http://schemas.microsoft.com/office/drawing/2010/main" xmlns="" w="9525">
+              <a14:hiddenLine xmlns="" xmlns:a14="http://schemas.microsoft.com/office/drawing/2010/main" w="9525">
                 <a:solidFill>
                   <a:srgbClr val="000000"/>
                 </a:solidFill>
@@ -2148,7 +2148,7 @@
           <a:p>
             <a:fld id="{9334D819-9F07-4261-B09B-9E467E5D9002}" type="datetimeFigureOut">
               <a:rPr lang="en-US" smtClean="0"/>
-              <a:t>3/6/2019</a:t>
+              <a:t>3/7/2019</a:t>
             </a:fld>
             <a:endParaRPr lang="en-US" dirty="0"/>
           </a:p>
@@ -2303,7 +2303,7 @@
           <a:ln/>
           <a:extLst>
             <a:ext uri="{91240B29-F687-4f45-9708-019B960494DF}">
-              <a14:hiddenLine xmlns:a14="http://schemas.microsoft.com/office/drawing/2010/main" xmlns="" w="9525">
+              <a14:hiddenLine xmlns="" xmlns:a14="http://schemas.microsoft.com/office/drawing/2010/main" w="9525">
                 <a:solidFill>
                   <a:srgbClr val="000000"/>
                 </a:solidFill>
@@ -2431,7 +2431,7 @@
           <a:p>
             <a:fld id="{9334D819-9F07-4261-B09B-9E467E5D9002}" type="datetimeFigureOut">
               <a:rPr lang="en-US" smtClean="0"/>
-              <a:t>3/6/2019</a:t>
+              <a:t>3/7/2019</a:t>
             </a:fld>
             <a:endParaRPr lang="en-US" dirty="0"/>
           </a:p>
@@ -2775,7 +2775,7 @@
             <a:fld id="{9334D819-9F07-4261-B09B-9E467E5D9002}" type="datetimeFigureOut">
               <a:rPr lang="en-US" smtClean="0"/>
               <a:pPr/>
-              <a:t>3/6/2019</a:t>
+              <a:t>3/7/2019</a:t>
             </a:fld>
             <a:endParaRPr lang="en-US" dirty="0"/>
           </a:p>
@@ -2931,7 +2931,7 @@
           <a:ln/>
           <a:extLst>
             <a:ext uri="{91240B29-F687-4f45-9708-019B960494DF}">
-              <a14:hiddenLine xmlns:a14="http://schemas.microsoft.com/office/drawing/2010/main" xmlns="" w="9525">
+              <a14:hiddenLine xmlns="" xmlns:a14="http://schemas.microsoft.com/office/drawing/2010/main" w="9525">
                 <a:solidFill>
                   <a:srgbClr val="000000"/>
                 </a:solidFill>
@@ -3115,7 +3115,7 @@
           <a:p>
             <a:fld id="{9334D819-9F07-4261-B09B-9E467E5D9002}" type="datetimeFigureOut">
               <a:rPr lang="en-US" smtClean="0"/>
-              <a:t>3/6/2019</a:t>
+              <a:t>3/7/2019</a:t>
             </a:fld>
             <a:endParaRPr lang="en-US" dirty="0"/>
           </a:p>
@@ -3275,7 +3275,7 @@
           <a:ln/>
           <a:extLst>
             <a:ext uri="{91240B29-F687-4f45-9708-019B960494DF}">
-              <a14:hiddenLine xmlns:a14="http://schemas.microsoft.com/office/drawing/2010/main" xmlns="" w="9525">
+              <a14:hiddenLine xmlns="" xmlns:a14="http://schemas.microsoft.com/office/drawing/2010/main" w="9525">
                 <a:solidFill>
                   <a:srgbClr val="000000"/>
                 </a:solidFill>
@@ -3597,7 +3597,7 @@
           <a:p>
             <a:fld id="{9334D819-9F07-4261-B09B-9E467E5D9002}" type="datetimeFigureOut">
               <a:rPr lang="en-US" smtClean="0"/>
-              <a:t>3/6/2019</a:t>
+              <a:t>3/7/2019</a:t>
             </a:fld>
             <a:endParaRPr lang="en-US" dirty="0"/>
           </a:p>
@@ -3757,7 +3757,7 @@
           <a:ln/>
           <a:extLst>
             <a:ext uri="{91240B29-F687-4f45-9708-019B960494DF}">
-              <a14:hiddenLine xmlns:a14="http://schemas.microsoft.com/office/drawing/2010/main" xmlns="" w="9525">
+              <a14:hiddenLine xmlns="" xmlns:a14="http://schemas.microsoft.com/office/drawing/2010/main" w="9525">
                 <a:solidFill>
                   <a:srgbClr val="000000"/>
                 </a:solidFill>
@@ -3823,7 +3823,7 @@
           <a:p>
             <a:fld id="{9334D819-9F07-4261-B09B-9E467E5D9002}" type="datetimeFigureOut">
               <a:rPr lang="en-US" smtClean="0"/>
-              <a:t>3/6/2019</a:t>
+              <a:t>3/7/2019</a:t>
             </a:fld>
             <a:endParaRPr lang="en-US" dirty="0"/>
           </a:p>
@@ -3918,7 +3918,7 @@
           <a:p>
             <a:fld id="{9334D819-9F07-4261-B09B-9E467E5D9002}" type="datetimeFigureOut">
               <a:rPr lang="en-US" smtClean="0"/>
-              <a:t>3/6/2019</a:t>
+              <a:t>3/7/2019</a:t>
             </a:fld>
             <a:endParaRPr lang="en-US" dirty="0"/>
           </a:p>
@@ -4186,7 +4186,7 @@
           <a:ln/>
           <a:extLst>
             <a:ext uri="{91240B29-F687-4f45-9708-019B960494DF}">
-              <a14:hiddenLine xmlns:a14="http://schemas.microsoft.com/office/drawing/2010/main" xmlns="" w="9525">
+              <a14:hiddenLine xmlns="" xmlns:a14="http://schemas.microsoft.com/office/drawing/2010/main" w="9525">
                 <a:solidFill>
                   <a:srgbClr val="000000"/>
                 </a:solidFill>
@@ -4385,7 +4385,7 @@
           <a:p>
             <a:fld id="{9334D819-9F07-4261-B09B-9E467E5D9002}" type="datetimeFigureOut">
               <a:rPr lang="en-US" smtClean="0"/>
-              <a:t>3/6/2019</a:t>
+              <a:t>3/7/2019</a:t>
             </a:fld>
             <a:endParaRPr lang="en-US" dirty="0"/>
           </a:p>
@@ -4703,7 +4703,7 @@
           <a:p>
             <a:fld id="{9334D819-9F07-4261-B09B-9E467E5D9002}" type="datetimeFigureOut">
               <a:rPr lang="en-US" smtClean="0"/>
-              <a:t>3/6/2019</a:t>
+              <a:t>3/7/2019</a:t>
             </a:fld>
             <a:endParaRPr lang="en-US" dirty="0"/>
           </a:p>
@@ -4974,7 +4974,7 @@
             <a:fld id="{9334D819-9F07-4261-B09B-9E467E5D9002}" type="datetimeFigureOut">
               <a:rPr lang="en-US" smtClean="0"/>
               <a:pPr/>
-              <a:t>3/6/2019</a:t>
+              <a:t>3/7/2019</a:t>
             </a:fld>
             <a:endParaRPr lang="en-US" dirty="0"/>
           </a:p>
@@ -5483,11 +5483,7 @@
             </a:r>
             <a:r>
               <a:rPr lang="en-IN" dirty="0" err="1" smtClean="0"/>
-              <a:t>V</a:t>
-            </a:r>
-            <a:r>
-              <a:rPr lang="en-IN" dirty="0" err="1" smtClean="0"/>
-              <a:t>aman</a:t>
+              <a:t>Vaman</a:t>
             </a:r>
             <a:r>
               <a:rPr lang="en-IN" dirty="0" smtClean="0"/>
@@ -5567,8 +5563,23 @@
           <a:p>
             <a:r>
               <a:rPr lang="en-IN" dirty="0" smtClean="0"/>
-              <a:t>Top of the line note sharing app for universities collages and institution</a:t>
-            </a:r>
+              <a:t>About the project</a:t>
+            </a:r>
+          </a:p>
+          <a:p>
+            <a:r>
+              <a:rPr lang="en-IN" dirty="0" smtClean="0"/>
+              <a:t>Top </a:t>
+            </a:r>
+            <a:r>
+              <a:rPr lang="en-IN" dirty="0" smtClean="0"/>
+              <a:t>of the line note sharing app for universities collages and </a:t>
+            </a:r>
+            <a:r>
+              <a:rPr lang="en-IN" dirty="0" smtClean="0"/>
+              <a:t>institution</a:t>
+            </a:r>
+            <a:endParaRPr lang="en-IN" dirty="0" smtClean="0"/>
           </a:p>
           <a:p>
             <a:endParaRPr lang="en-IN" dirty="0"/>
@@ -5813,11 +5824,23 @@
             </a:r>
             <a:r>
               <a:rPr lang="en-IN" dirty="0" smtClean="0"/>
-              <a:t> </a:t>
+              <a:t>, </a:t>
             </a:r>
             <a:r>
               <a:rPr lang="en-IN" dirty="0" smtClean="0"/>
-              <a:t>, google keep, share it, hike, telegram.</a:t>
+              <a:t>share </a:t>
+            </a:r>
+            <a:r>
+              <a:rPr lang="en-IN" dirty="0" smtClean="0"/>
+              <a:t>it, Google </a:t>
+            </a:r>
+            <a:r>
+              <a:rPr lang="en-IN" dirty="0" smtClean="0"/>
+              <a:t>D</a:t>
+            </a:r>
+            <a:r>
+              <a:rPr lang="en-IN" dirty="0" smtClean="0"/>
+              <a:t>rive.</a:t>
             </a:r>
             <a:endParaRPr lang="en-IN" dirty="0"/>
           </a:p>
@@ -5969,15 +5992,23 @@
           <a:p>
             <a:r>
               <a:rPr lang="en-IN" dirty="0" smtClean="0"/>
-              <a:t>Contract based for colleges, universities etc</a:t>
-            </a:r>
-            <a:r>
-              <a:rPr lang="en-IN" dirty="0"/>
-              <a:t>.</a:t>
+              <a:t>Creating </a:t>
+            </a:r>
+            <a:r>
+              <a:rPr lang="en-IN" dirty="0" err="1" smtClean="0"/>
+              <a:t>facebook</a:t>
             </a:r>
             <a:r>
               <a:rPr lang="en-IN" dirty="0" smtClean="0"/>
-              <a:t> </a:t>
+              <a:t> page, creating </a:t>
+            </a:r>
+            <a:r>
+              <a:rPr lang="en-IN" dirty="0" err="1" smtClean="0"/>
+              <a:t>promotrional</a:t>
+            </a:r>
+            <a:r>
+              <a:rPr lang="en-IN" dirty="0" smtClean="0"/>
+              <a:t> videos.</a:t>
             </a:r>
             <a:endParaRPr lang="en-IN" dirty="0"/>
           </a:p>
@@ -6056,12 +6087,12 @@
               <a:t>As of now the app is developed for only a department, it will be further expanded to the entire </a:t>
             </a:r>
             <a:r>
-              <a:rPr lang="en-IN" dirty="0" err="1" smtClean="0"/>
-              <a:t>instituite</a:t>
-            </a:r>
-            <a:r>
               <a:rPr lang="en-IN" dirty="0" smtClean="0"/>
-              <a:t> on one click.</a:t>
+              <a:t>institute </a:t>
+            </a:r>
+            <a:r>
+              <a:rPr lang="en-IN" dirty="0" smtClean="0"/>
+              <a:t>on one click.</a:t>
             </a:r>
             <a:endParaRPr lang="en-IN" dirty="0"/>
           </a:p>
